--- a/src/kimsunmin/Linux.pptx
+++ b/src/kimsunmin/Linux.pptx
@@ -111,6 +111,11 @@
       </a:defRPr>
     </a:lvl9pPr>
   </p:defaultTextStyle>
+  <p:extLst>
+    <p:ext uri="{EFAFB233-063F-42B5-8137-9DF3F51BA10A}">
+      <p15:sldGuideLst xmlns:p15="http://schemas.microsoft.com/office/powerpoint/2012/main"/>
+    </p:ext>
+  </p:extLst>
 </p:presentation>
 </file>
 
@@ -245,7 +250,7 @@
           <a:p>
             <a:fld id="{E4C3EBC4-7B61-4CA3-BA36-166D81CB54A3}" type="datetimeFigureOut">
               <a:rPr lang="ko-KR" altLang="en-US" smtClean="0"/>
-              <a:t>2019-02-25</a:t>
+              <a:t>2019-02-26</a:t>
             </a:fld>
             <a:endParaRPr lang="ko-KR" altLang="en-US"/>
           </a:p>
@@ -415,7 +420,7 @@
           <a:p>
             <a:fld id="{E4C3EBC4-7B61-4CA3-BA36-166D81CB54A3}" type="datetimeFigureOut">
               <a:rPr lang="ko-KR" altLang="en-US" smtClean="0"/>
-              <a:t>2019-02-25</a:t>
+              <a:t>2019-02-26</a:t>
             </a:fld>
             <a:endParaRPr lang="ko-KR" altLang="en-US"/>
           </a:p>
@@ -595,7 +600,7 @@
           <a:p>
             <a:fld id="{E4C3EBC4-7B61-4CA3-BA36-166D81CB54A3}" type="datetimeFigureOut">
               <a:rPr lang="ko-KR" altLang="en-US" smtClean="0"/>
-              <a:t>2019-02-25</a:t>
+              <a:t>2019-02-26</a:t>
             </a:fld>
             <a:endParaRPr lang="ko-KR" altLang="en-US"/>
           </a:p>
@@ -765,7 +770,7 @@
           <a:p>
             <a:fld id="{E4C3EBC4-7B61-4CA3-BA36-166D81CB54A3}" type="datetimeFigureOut">
               <a:rPr lang="ko-KR" altLang="en-US" smtClean="0"/>
-              <a:t>2019-02-25</a:t>
+              <a:t>2019-02-26</a:t>
             </a:fld>
             <a:endParaRPr lang="ko-KR" altLang="en-US"/>
           </a:p>
@@ -1011,7 +1016,7 @@
           <a:p>
             <a:fld id="{E4C3EBC4-7B61-4CA3-BA36-166D81CB54A3}" type="datetimeFigureOut">
               <a:rPr lang="ko-KR" altLang="en-US" smtClean="0"/>
-              <a:t>2019-02-25</a:t>
+              <a:t>2019-02-26</a:t>
             </a:fld>
             <a:endParaRPr lang="ko-KR" altLang="en-US"/>
           </a:p>
@@ -1243,7 +1248,7 @@
           <a:p>
             <a:fld id="{E4C3EBC4-7B61-4CA3-BA36-166D81CB54A3}" type="datetimeFigureOut">
               <a:rPr lang="ko-KR" altLang="en-US" smtClean="0"/>
-              <a:t>2019-02-25</a:t>
+              <a:t>2019-02-26</a:t>
             </a:fld>
             <a:endParaRPr lang="ko-KR" altLang="en-US"/>
           </a:p>
@@ -1610,7 +1615,7 @@
           <a:p>
             <a:fld id="{E4C3EBC4-7B61-4CA3-BA36-166D81CB54A3}" type="datetimeFigureOut">
               <a:rPr lang="ko-KR" altLang="en-US" smtClean="0"/>
-              <a:t>2019-02-25</a:t>
+              <a:t>2019-02-26</a:t>
             </a:fld>
             <a:endParaRPr lang="ko-KR" altLang="en-US"/>
           </a:p>
@@ -1728,7 +1733,7 @@
           <a:p>
             <a:fld id="{E4C3EBC4-7B61-4CA3-BA36-166D81CB54A3}" type="datetimeFigureOut">
               <a:rPr lang="ko-KR" altLang="en-US" smtClean="0"/>
-              <a:t>2019-02-25</a:t>
+              <a:t>2019-02-26</a:t>
             </a:fld>
             <a:endParaRPr lang="ko-KR" altLang="en-US"/>
           </a:p>
@@ -1823,7 +1828,7 @@
           <a:p>
             <a:fld id="{E4C3EBC4-7B61-4CA3-BA36-166D81CB54A3}" type="datetimeFigureOut">
               <a:rPr lang="ko-KR" altLang="en-US" smtClean="0"/>
-              <a:t>2019-02-25</a:t>
+              <a:t>2019-02-26</a:t>
             </a:fld>
             <a:endParaRPr lang="ko-KR" altLang="en-US"/>
           </a:p>
@@ -2100,7 +2105,7 @@
           <a:p>
             <a:fld id="{E4C3EBC4-7B61-4CA3-BA36-166D81CB54A3}" type="datetimeFigureOut">
               <a:rPr lang="ko-KR" altLang="en-US" smtClean="0"/>
-              <a:t>2019-02-25</a:t>
+              <a:t>2019-02-26</a:t>
             </a:fld>
             <a:endParaRPr lang="ko-KR" altLang="en-US"/>
           </a:p>
@@ -2353,7 +2358,7 @@
           <a:p>
             <a:fld id="{E4C3EBC4-7B61-4CA3-BA36-166D81CB54A3}" type="datetimeFigureOut">
               <a:rPr lang="ko-KR" altLang="en-US" smtClean="0"/>
-              <a:t>2019-02-25</a:t>
+              <a:t>2019-02-26</a:t>
             </a:fld>
             <a:endParaRPr lang="ko-KR" altLang="en-US"/>
           </a:p>
@@ -2566,7 +2571,7 @@
           <a:p>
             <a:fld id="{E4C3EBC4-7B61-4CA3-BA36-166D81CB54A3}" type="datetimeFigureOut">
               <a:rPr lang="ko-KR" altLang="en-US" smtClean="0"/>
-              <a:t>2019-02-25</a:t>
+              <a:t>2019-02-26</a:t>
             </a:fld>
             <a:endParaRPr lang="ko-KR" altLang="en-US"/>
           </a:p>
@@ -3894,7 +3899,7 @@
         <p:spPr>
           <a:xfrm>
             <a:off x="480291" y="1560945"/>
-            <a:ext cx="11240654" cy="3416320"/>
+            <a:ext cx="11240654" cy="3693319"/>
           </a:xfrm>
           <a:prstGeom prst="rect">
             <a:avLst/>
@@ -3906,33 +3911,18 @@
           </a:bodyPr>
           <a:lstStyle/>
           <a:p>
-            <a:r>
-              <a:rPr lang="en-US" altLang="ko-KR" b="1" dirty="0" smtClean="0">
-                <a:solidFill>
-                  <a:schemeClr val="bg1"/>
-                </a:solidFill>
+            <a:pPr marL="342900" lvl="0" indent="-342900">
+              <a:buFontTx/>
+              <a:buAutoNum type="arabicPeriod"/>
+            </a:pPr>
+            <a:r>
+              <a:rPr lang="ko-KR" altLang="en-US" b="1" i="0" dirty="0" err="1" smtClean="0">
+                <a:solidFill>
+                  <a:schemeClr val="bg1"/>
+                </a:solidFill>
+                <a:effectLst/>
                 <a:latin typeface="inherit"/>
               </a:rPr>
-              <a:t>1</a:t>
-            </a:r>
-            <a:r>
-              <a:rPr lang="en-US" altLang="ko-KR" b="1" i="0" dirty="0" smtClean="0">
-                <a:solidFill>
-                  <a:schemeClr val="bg1"/>
-                </a:solidFill>
-                <a:effectLst/>
-                <a:latin typeface="inherit"/>
-              </a:rPr>
-              <a:t>. </a:t>
-            </a:r>
-            <a:r>
-              <a:rPr lang="ko-KR" altLang="en-US" b="1" i="0" dirty="0" err="1" smtClean="0">
-                <a:solidFill>
-                  <a:schemeClr val="bg1"/>
-                </a:solidFill>
-                <a:effectLst/>
-                <a:latin typeface="inherit"/>
-              </a:rPr>
               <a:t>데비안</a:t>
             </a:r>
             <a:r>
@@ -4300,6 +4290,46 @@
               </a:rPr>
               <a:t>.</a:t>
             </a:r>
+          </a:p>
+          <a:p>
+            <a:pPr lvl="0"/>
+            <a:r>
+              <a:rPr lang="en-US" altLang="ko-KR" dirty="0">
+                <a:solidFill>
+                  <a:schemeClr val="bg1"/>
+                </a:solidFill>
+                <a:latin typeface="Helvetica Neue"/>
+              </a:rPr>
+              <a:t> </a:t>
+            </a:r>
+            <a:r>
+              <a:rPr lang="en-US" altLang="ko-KR" dirty="0" smtClean="0">
+                <a:solidFill>
+                  <a:schemeClr val="bg1"/>
+                </a:solidFill>
+                <a:latin typeface="Helvetica Neue"/>
+              </a:rPr>
+              <a:t>   -</a:t>
+            </a:r>
+            <a:r>
+              <a:rPr lang="ko-KR" altLang="en-US" smtClean="0">
+                <a:solidFill>
+                  <a:schemeClr val="bg1"/>
+                </a:solidFill>
+                <a:latin typeface="Helvetica Neue"/>
+              </a:rPr>
+              <a:t>빠르고 쉬운 메모리 관리</a:t>
+            </a:r>
+            <a:r>
+              <a:rPr lang="en-US" altLang="ko-KR" b="0" i="0" dirty="0" smtClean="0">
+                <a:solidFill>
+                  <a:schemeClr val="bg1"/>
+                </a:solidFill>
+                <a:effectLst/>
+                <a:latin typeface="Helvetica Neue"/>
+              </a:rPr>
+              <a:t/>
+            </a:r>
             <a:br>
               <a:rPr lang="en-US" altLang="ko-KR" b="0" i="0" dirty="0" smtClean="0">
                 <a:solidFill>
@@ -4356,10 +4386,30 @@
                 <a:effectLst/>
                 <a:latin typeface="Helvetica Neue"/>
               </a:rPr>
-              <a:t> 단점</a:t>
+              <a:t> </a:t>
+            </a:r>
+            <a:r>
+              <a:rPr lang="ko-KR" altLang="en-US" b="0" i="0" dirty="0" smtClean="0">
+                <a:solidFill>
+                  <a:schemeClr val="bg1"/>
+                </a:solidFill>
+                <a:effectLst/>
+                <a:latin typeface="Helvetica Neue"/>
+              </a:rPr>
+              <a:t>단점</a:t>
+            </a:r>
+            <a:r>
+              <a:rPr lang="en-US" altLang="ko-KR" b="0" i="0" dirty="0" smtClean="0">
+                <a:solidFill>
+                  <a:schemeClr val="bg1"/>
+                </a:solidFill>
+                <a:effectLst/>
+                <a:latin typeface="Helvetica Neue"/>
+              </a:rPr>
+              <a:t/>
             </a:r>
             <a:br>
-              <a:rPr lang="ko-KR" altLang="en-US" b="0" i="0" dirty="0" smtClean="0">
+              <a:rPr lang="en-US" altLang="ko-KR" b="0" i="0" dirty="0" smtClean="0">
                 <a:solidFill>
                   <a:schemeClr val="bg1"/>
                 </a:solidFill>
@@ -4385,7 +4435,7 @@
                 <a:effectLst/>
                 <a:latin typeface="Helvetica Neue"/>
               </a:rPr>
-              <a:t>유명한 소프트웨어 상용이 불가능 하다</a:t>
+              <a:t>설치는 쉽지만 설정은 어렵다</a:t>
             </a:r>
             <a:r>
               <a:rPr lang="en-US" altLang="ko-KR" b="0" i="0" dirty="0" smtClean="0">
@@ -4397,49 +4447,190 @@
               </a:rPr>
               <a:t>.</a:t>
             </a:r>
-            <a:br>
-              <a:rPr lang="en-US" altLang="ko-KR" b="0" i="0" dirty="0" smtClean="0">
-                <a:solidFill>
-                  <a:schemeClr val="bg1"/>
-                </a:solidFill>
-                <a:effectLst/>
-                <a:latin typeface="Helvetica Neue"/>
-              </a:rPr>
-            </a:br>
-            <a:r>
-              <a:rPr lang="en-US" altLang="ko-KR" b="0" i="0" dirty="0" smtClean="0">
-                <a:solidFill>
-                  <a:schemeClr val="bg1"/>
-                </a:solidFill>
-                <a:effectLst/>
-                <a:latin typeface="Helvetica Neue"/>
-              </a:rPr>
-              <a:t>-</a:t>
-            </a:r>
-            <a:r>
-              <a:rPr lang="ko-KR" altLang="en-US" b="0" i="0" dirty="0" smtClean="0">
-                <a:solidFill>
-                  <a:schemeClr val="bg1"/>
-                </a:solidFill>
-                <a:effectLst/>
-                <a:latin typeface="Helvetica Neue"/>
-              </a:rPr>
-              <a:t>설치는 쉽지만 설정은 어렵다</a:t>
-            </a:r>
-            <a:r>
-              <a:rPr lang="en-US" altLang="ko-KR" b="0" i="0" dirty="0" smtClean="0">
-                <a:solidFill>
-                  <a:schemeClr val="bg1"/>
-                </a:solidFill>
-                <a:effectLst/>
-                <a:latin typeface="Helvetica Neue"/>
-              </a:rPr>
-              <a:t>.</a:t>
-            </a:r>
-            <a:endParaRPr lang="ko-KR" altLang="en-US" dirty="0">
+            <a:r>
+              <a:rPr lang="ko-KR" altLang="ko-KR" b="1" i="1" dirty="0">
+                <a:solidFill>
+                  <a:srgbClr val="444444"/>
+                </a:solidFill>
+                <a:latin typeface="Arial" panose="020B0604020202020204" pitchFamily="34" charset="0"/>
+                <a:cs typeface="Arial" panose="020B0604020202020204" pitchFamily="34" charset="0"/>
+              </a:rPr>
+              <a:t> </a:t>
+            </a:r>
+            <a:endParaRPr lang="en-US" altLang="ko-KR" dirty="0">
               <a:solidFill>
                 <a:schemeClr val="bg1"/>
               </a:solidFill>
+              <a:latin typeface="Helvetica Neue"/>
+            </a:endParaRPr>
+          </a:p>
+          <a:p>
+            <a:pPr lvl="0"/>
+            <a:r>
+              <a:rPr lang="en-US" altLang="ko-KR" b="1" i="1" dirty="0">
+                <a:solidFill>
+                  <a:schemeClr val="bg1"/>
+                </a:solidFill>
+                <a:latin typeface="Helvetica Neue"/>
+                <a:cs typeface="Arial" panose="020B0604020202020204" pitchFamily="34" charset="0"/>
+              </a:rPr>
+              <a:t> </a:t>
+            </a:r>
+            <a:r>
+              <a:rPr lang="en-US" altLang="ko-KR" b="1" i="1" dirty="0" smtClean="0">
+                <a:solidFill>
+                  <a:schemeClr val="bg1"/>
+                </a:solidFill>
+                <a:latin typeface="Helvetica Neue"/>
+                <a:cs typeface="Arial" panose="020B0604020202020204" pitchFamily="34" charset="0"/>
+              </a:rPr>
+              <a:t>   </a:t>
+            </a:r>
+            <a:r>
+              <a:rPr lang="en-US" altLang="ko-KR" dirty="0" smtClean="0">
+                <a:solidFill>
+                  <a:schemeClr val="bg1"/>
+                </a:solidFill>
+                <a:latin typeface="Helvetica Neue"/>
+                <a:cs typeface="Arial" panose="020B0604020202020204" pitchFamily="34" charset="0"/>
+              </a:rPr>
+              <a:t>- </a:t>
+            </a:r>
+            <a:r>
+              <a:rPr lang="ko-KR" altLang="en-US" dirty="0" smtClean="0">
+                <a:solidFill>
+                  <a:schemeClr val="bg1"/>
+                </a:solidFill>
+                <a:latin typeface="Helvetica Neue"/>
+                <a:cs typeface="Arial" panose="020B0604020202020204" pitchFamily="34" charset="0"/>
+              </a:rPr>
+              <a:t>지원하지 않는 하드웨어가 있다</a:t>
+            </a:r>
+            <a:r>
+              <a:rPr lang="en-US" altLang="ko-KR" dirty="0" smtClean="0">
+                <a:solidFill>
+                  <a:schemeClr val="bg1"/>
+                </a:solidFill>
+                <a:latin typeface="Helvetica Neue"/>
+                <a:cs typeface="Arial" panose="020B0604020202020204" pitchFamily="34" charset="0"/>
+              </a:rPr>
+              <a:t>.</a:t>
+            </a:r>
+            <a:endParaRPr lang="en-US" altLang="ko-KR" dirty="0" smtClean="0">
+              <a:solidFill>
+                <a:srgbClr val="444444"/>
+              </a:solidFill>
+              <a:latin typeface="Arial" panose="020B0604020202020204" pitchFamily="34" charset="0"/>
+              <a:cs typeface="Arial" panose="020B0604020202020204" pitchFamily="34" charset="0"/>
+            </a:endParaRPr>
+          </a:p>
+        </p:txBody>
+      </p:sp>
+      <p:sp>
+        <p:nvSpPr>
+          <p:cNvPr id="4" name="Rectangle 2"/>
+          <p:cNvSpPr>
+            <a:spLocks noChangeArrowheads="1"/>
+          </p:cNvSpPr>
+          <p:nvPr/>
+        </p:nvSpPr>
+        <p:spPr bwMode="auto">
+          <a:xfrm>
+            <a:off x="0" y="0"/>
+            <a:ext cx="12192000" cy="457200"/>
+          </a:xfrm>
+          <a:prstGeom prst="rect">
+            <a:avLst/>
+          </a:prstGeom>
+          <a:solidFill>
+            <a:srgbClr val="FFFFFF"/>
+          </a:solidFill>
+          <a:ln>
+            <a:noFill/>
+          </a:ln>
+          <a:effectLst/>
+          <a:extLst>
+            <a:ext uri="{91240B29-F687-4F45-9708-019B960494DF}">
+              <a14:hiddenLine xmlns:a14="http://schemas.microsoft.com/office/drawing/2010/main" w="9525">
+                <a:solidFill>
+                  <a:schemeClr val="tx1"/>
+                </a:solidFill>
+                <a:miter lim="800000"/>
+                <a:headEnd/>
+                <a:tailEnd/>
+              </a14:hiddenLine>
+            </a:ext>
+            <a:ext uri="{AF507438-7753-43E0-B8FC-AC1667EBCBE1}">
+              <a14:hiddenEffects xmlns:a14="http://schemas.microsoft.com/office/drawing/2010/main">
+                <a:effectLst>
+                  <a:outerShdw dist="35921" dir="2700000" algn="ctr" rotWithShape="0">
+                    <a:schemeClr val="bg2"/>
+                  </a:outerShdw>
+                </a:effectLst>
+              </a14:hiddenEffects>
+            </a:ext>
+          </a:extLst>
+        </p:spPr>
+        <p:txBody>
+          <a:bodyPr vert="horz" wrap="none" lIns="0" tIns="0" rIns="0" bIns="0" numCol="1" anchor="ctr" anchorCtr="0" compatLnSpc="1">
+            <a:prstTxWarp prst="textNoShape">
+              <a:avLst/>
+            </a:prstTxWarp>
+            <a:spAutoFit/>
+          </a:bodyPr>
+          <a:lstStyle/>
+          <a:p>
+            <a:pPr marL="0" marR="0" lvl="0" indent="0" algn="l" defTabSz="914400" rtl="0" eaLnBrk="0" fontAlgn="base" latinLnBrk="0" hangingPunct="0">
+              <a:lnSpc>
+                <a:spcPct val="100000"/>
+              </a:lnSpc>
+              <a:spcBef>
+                <a:spcPct val="0"/>
+              </a:spcBef>
+              <a:spcAft>
+                <a:spcPct val="0"/>
+              </a:spcAft>
+              <a:buClrTx/>
+              <a:buSzTx/>
+              <a:buFontTx/>
+              <a:buNone/>
+              <a:tabLst/>
+            </a:pPr>
+            <a:r>
+              <a:rPr kumimoji="0" lang="ko-KR" altLang="ko-KR" sz="1200" b="1" i="1" u="none" strike="noStrike" cap="none" normalizeH="0" baseline="0" dirty="0" smtClean="0">
+                <a:ln>
+                  <a:noFill/>
+                </a:ln>
+                <a:solidFill>
+                  <a:srgbClr val="444444"/>
+                </a:solidFill>
+                <a:effectLst/>
+                <a:latin typeface="Arial" panose="020B0604020202020204" pitchFamily="34" charset="0"/>
+                <a:cs typeface="Arial" panose="020B0604020202020204" pitchFamily="34" charset="0"/>
+              </a:rPr>
+              <a:t>지원하지 않는 하드웨어가 있다.</a:t>
+            </a:r>
+            <a:r>
+              <a:rPr kumimoji="0" lang="ko-KR" altLang="ko-KR" sz="800" b="0" i="0" u="none" strike="noStrike" cap="none" normalizeH="0" baseline="0" dirty="0" smtClean="0">
+                <a:ln>
+                  <a:noFill/>
+                </a:ln>
+                <a:solidFill>
+                  <a:schemeClr val="tx1"/>
+                </a:solidFill>
+                <a:effectLst/>
+              </a:rPr>
+              <a:t> </a:t>
+            </a:r>
+            <a:endParaRPr kumimoji="0" lang="ko-KR" altLang="ko-KR" sz="1800" b="0" i="0" u="none" strike="noStrike" cap="none" normalizeH="0" baseline="0" dirty="0" smtClean="0">
+              <a:ln>
+                <a:noFill/>
+              </a:ln>
+              <a:solidFill>
+                <a:schemeClr val="tx1"/>
+              </a:solidFill>
+              <a:effectLst/>
+              <a:latin typeface="Arial" panose="020B0604020202020204" pitchFamily="34" charset="0"/>
             </a:endParaRPr>
           </a:p>
         </p:txBody>
@@ -4454,6 +4645,13 @@
   <p:clrMapOvr>
     <a:masterClrMapping/>
   </p:clrMapOvr>
+  <p:timing>
+    <p:tnLst>
+      <p:par>
+        <p:cTn id="1" dur="indefinite" restart="never" nodeType="tmRoot"/>
+      </p:par>
+    </p:tnLst>
+  </p:timing>
 </p:sld>
 </file>
 
@@ -4858,34 +5056,24 @@
               <a:t>LTS(Long Term Service) </a:t>
             </a:r>
             <a:r>
-              <a:rPr lang="ko-KR" altLang="en-US" b="0" i="0" dirty="0" smtClean="0">
-                <a:solidFill>
-                  <a:schemeClr val="bg1"/>
-                </a:solidFill>
-                <a:effectLst/>
-                <a:latin typeface="Helvetica Neue"/>
-              </a:rPr>
-              <a:t>버전을 </a:t>
-            </a:r>
-            <a:r>
-              <a:rPr lang="ko-KR" altLang="en-US" b="0" i="0" dirty="0" err="1" smtClean="0">
-                <a:solidFill>
-                  <a:schemeClr val="bg1"/>
-                </a:solidFill>
-                <a:effectLst/>
-                <a:latin typeface="Helvetica Neue"/>
-              </a:rPr>
-              <a:t>짝수해</a:t>
-            </a:r>
-            <a:r>
-              <a:rPr lang="ko-KR" altLang="en-US" b="0" i="0" dirty="0" smtClean="0">
-                <a:solidFill>
-                  <a:schemeClr val="bg1"/>
-                </a:solidFill>
-                <a:effectLst/>
-                <a:latin typeface="Helvetica Neue"/>
-              </a:rPr>
-              <a:t> 상반기에 내놓습니다</a:t>
+              <a:rPr lang="ko-KR" altLang="en-US" b="0" i="0" smtClean="0">
+                <a:solidFill>
+                  <a:schemeClr val="bg1"/>
+                </a:solidFill>
+                <a:effectLst/>
+                <a:latin typeface="Helvetica Neue"/>
+              </a:rPr>
+              <a:t>버전을 짝수 해 </a:t>
+            </a:r>
+            <a:r>
+              <a:rPr lang="ko-KR" altLang="en-US" b="0" i="0" dirty="0" smtClean="0">
+                <a:solidFill>
+                  <a:schemeClr val="bg1"/>
+                </a:solidFill>
+                <a:effectLst/>
+                <a:latin typeface="Helvetica Neue"/>
+              </a:rPr>
+              <a:t>상반기에 내놓습니다</a:t>
             </a:r>
             <a:r>
               <a:rPr lang="en-US" altLang="ko-KR" b="0" i="0" dirty="0" smtClean="0">
@@ -4965,34 +5153,24 @@
               <a:t>-</a:t>
             </a:r>
             <a:r>
-              <a:rPr lang="ko-KR" altLang="en-US" b="0" i="0" dirty="0" smtClean="0">
-                <a:solidFill>
-                  <a:schemeClr val="bg1"/>
-                </a:solidFill>
-                <a:effectLst/>
-                <a:latin typeface="Helvetica Neue"/>
-              </a:rPr>
-              <a:t>리눅스를 </a:t>
-            </a:r>
-            <a:r>
-              <a:rPr lang="ko-KR" altLang="en-US" b="0" i="0" dirty="0" err="1" smtClean="0">
-                <a:solidFill>
-                  <a:schemeClr val="bg1"/>
-                </a:solidFill>
-                <a:effectLst/>
-                <a:latin typeface="Helvetica Neue"/>
-              </a:rPr>
-              <a:t>처음접해도</a:t>
-            </a:r>
-            <a:r>
-              <a:rPr lang="ko-KR" altLang="en-US" b="0" i="0" dirty="0" smtClean="0">
-                <a:solidFill>
-                  <a:schemeClr val="bg1"/>
-                </a:solidFill>
-                <a:effectLst/>
-                <a:latin typeface="Helvetica Neue"/>
-              </a:rPr>
-              <a:t> 설치가 </a:t>
+              <a:rPr lang="ko-KR" altLang="en-US" b="0" i="0" smtClean="0">
+                <a:solidFill>
+                  <a:schemeClr val="bg1"/>
+                </a:solidFill>
+                <a:effectLst/>
+                <a:latin typeface="Helvetica Neue"/>
+              </a:rPr>
+              <a:t>리눅스를 처음 접해도 </a:t>
+            </a:r>
+            <a:r>
+              <a:rPr lang="ko-KR" altLang="en-US" b="0" i="0" dirty="0" smtClean="0">
+                <a:solidFill>
+                  <a:schemeClr val="bg1"/>
+                </a:solidFill>
+                <a:effectLst/>
+                <a:latin typeface="Helvetica Neue"/>
+              </a:rPr>
+              <a:t>설치가 </a:t>
             </a:r>
             <a:r>
               <a:rPr lang="ko-KR" altLang="en-US" b="0" i="0" dirty="0" err="1" smtClean="0">
@@ -5306,6 +5484,13 @@
   <p:clrMapOvr>
     <a:masterClrMapping/>
   </p:clrMapOvr>
+  <p:timing>
+    <p:tnLst>
+      <p:par>
+        <p:cTn id="1" dur="indefinite" restart="never" nodeType="tmRoot"/>
+      </p:par>
+    </p:tnLst>
+  </p:timing>
 </p:sld>
 </file>
 
@@ -6089,6 +6274,13 @@
   <p:clrMapOvr>
     <a:masterClrMapping/>
   </p:clrMapOvr>
+  <p:timing>
+    <p:tnLst>
+      <p:par>
+        <p:cTn id="1" dur="indefinite" restart="never" nodeType="tmRoot"/>
+      </p:par>
+    </p:tnLst>
+  </p:timing>
 </p:sld>
 </file>
 
